--- a/Файловая система BSZ.pptx
+++ b/Файловая система BSZ.pptx
@@ -106,6 +106,11 @@
       </a:defRPr>
     </a:lvl9pPr>
   </p:defaultTextStyle>
+  <p:extLst>
+    <p:ext uri="{EFAFB233-063F-42B5-8137-9DF3F51BA10A}">
+      <p15:sldGuideLst xmlns:p15="http://schemas.microsoft.com/office/powerpoint/2012/main"/>
+    </p:ext>
+  </p:extLst>
 </p:presentation>
 </file>
 
@@ -3650,7 +3655,7 @@
         <p:spPr>
           <a:xfrm>
             <a:off x="346574" y="1541992"/>
-            <a:ext cx="10084121" cy="2806987"/>
+            <a:ext cx="10084121" cy="3268652"/>
           </a:xfrm>
           <a:prstGeom prst="rect">
             <a:avLst/>
@@ -3872,32 +3877,39 @@
               <a:buAutoNum type="arabicPeriod"/>
             </a:pPr>
             <a:r>
+              <a:rPr lang="en-US" sz="2000" dirty="0" err="1">
+                <a:latin typeface="Times New Roman" panose="02020603050405020304" pitchFamily="18" charset="0"/>
+                <a:cs typeface="Times New Roman" panose="02020603050405020304" pitchFamily="18" charset="0"/>
+              </a:rPr>
+              <a:t>modify_file</a:t>
+            </a:r>
+            <a:r>
+              <a:rPr lang="en-US" sz="2000" dirty="0">
+                <a:latin typeface="Times New Roman" panose="02020603050405020304" pitchFamily="18" charset="0"/>
+                <a:cs typeface="Times New Roman" panose="02020603050405020304" pitchFamily="18" charset="0"/>
+              </a:rPr>
+              <a:t>(const char *bsz.txt, const char *</a:t>
+            </a:r>
+            <a:r>
+              <a:rPr lang="en-US" sz="2000" dirty="0" err="1">
+                <a:latin typeface="Times New Roman" panose="02020603050405020304" pitchFamily="18" charset="0"/>
+                <a:cs typeface="Times New Roman" panose="02020603050405020304" pitchFamily="18" charset="0"/>
+              </a:rPr>
+              <a:t>new_content</a:t>
+            </a:r>
+            <a:r>
+              <a:rPr lang="en-US" sz="2000" dirty="0">
+                <a:latin typeface="Times New Roman" panose="02020603050405020304" pitchFamily="18" charset="0"/>
+                <a:cs typeface="Times New Roman" panose="02020603050405020304" pitchFamily="18" charset="0"/>
+              </a:rPr>
+              <a:t>) - </a:t>
+            </a:r>
+            <a:r>
               <a:rPr lang="ru-RU" sz="2000" dirty="0">
                 <a:latin typeface="Times New Roman" panose="02020603050405020304" pitchFamily="18" charset="0"/>
                 <a:cs typeface="Times New Roman" panose="02020603050405020304" pitchFamily="18" charset="0"/>
               </a:rPr>
-              <a:t>Изменение файла происходит через функцию </a:t>
-            </a:r>
-            <a:r>
-              <a:rPr lang="en-US" sz="2000" dirty="0">
-                <a:latin typeface="Times New Roman" panose="02020603050405020304" pitchFamily="18" charset="0"/>
-                <a:cs typeface="Times New Roman" panose="02020603050405020304" pitchFamily="18" charset="0"/>
-              </a:rPr>
-              <a:t>if </a:t>
-            </a:r>
-            <a:r>
-              <a:rPr lang="ru-RU" sz="2000" dirty="0">
-                <a:latin typeface="Times New Roman" panose="02020603050405020304" pitchFamily="18" charset="0"/>
-                <a:cs typeface="Times New Roman" panose="02020603050405020304" pitchFamily="18" charset="0"/>
-              </a:rPr>
-              <a:t>и </a:t>
-            </a:r>
-            <a:r>
-              <a:rPr lang="en-US" sz="2000" dirty="0" err="1">
-                <a:latin typeface="Times New Roman" panose="02020603050405020304" pitchFamily="18" charset="0"/>
-                <a:cs typeface="Times New Roman" panose="02020603050405020304" pitchFamily="18" charset="0"/>
-              </a:rPr>
-              <a:t>fopen</a:t>
+              <a:t>Изменение файла</a:t>
             </a:r>
             <a:r>
               <a:rPr lang="en-US" sz="2000" dirty="0">
@@ -3911,8 +3923,33 @@
                 <a:latin typeface="Times New Roman" panose="02020603050405020304" pitchFamily="18" charset="0"/>
                 <a:cs typeface="Times New Roman" panose="02020603050405020304" pitchFamily="18" charset="0"/>
               </a:rPr>
-              <a:t>Тип данных также текстовый</a:t>
-            </a:r>
+              <a:t>Тип данных </a:t>
+            </a:r>
+            <a:r>
+              <a:rPr lang="en-US" sz="2000" dirty="0">
+                <a:latin typeface="Times New Roman" panose="02020603050405020304" pitchFamily="18" charset="0"/>
+                <a:cs typeface="Times New Roman" panose="02020603050405020304" pitchFamily="18" charset="0"/>
+              </a:rPr>
+              <a:t>– </a:t>
+            </a:r>
+            <a:r>
+              <a:rPr lang="ru-RU" sz="2000" dirty="0">
+                <a:latin typeface="Times New Roman" panose="02020603050405020304" pitchFamily="18" charset="0"/>
+                <a:cs typeface="Times New Roman" panose="02020603050405020304" pitchFamily="18" charset="0"/>
+              </a:rPr>
+              <a:t>текстовый</a:t>
+            </a:r>
+            <a:r>
+              <a:rPr lang="en-US" sz="2000" dirty="0">
+                <a:latin typeface="Times New Roman" panose="02020603050405020304" pitchFamily="18" charset="0"/>
+                <a:cs typeface="Times New Roman" panose="02020603050405020304" pitchFamily="18" charset="0"/>
+              </a:rPr>
+              <a:t>.</a:t>
+            </a:r>
+            <a:endParaRPr lang="ru-RU" sz="2000" dirty="0">
+              <a:latin typeface="Times New Roman" panose="02020603050405020304" pitchFamily="18" charset="0"/>
+              <a:cs typeface="Times New Roman" panose="02020603050405020304" pitchFamily="18" charset="0"/>
+            </a:endParaRPr>
           </a:p>
         </p:txBody>
       </p:sp>
